--- a/Banner TCC.pptx
+++ b/Banner TCC.pptx
@@ -381,7 +381,7 @@
           <a:p>
             <a:fld id="{2B85917C-95FE-4413-BCFB-4F8932325484}" type="datetimeFigureOut">
               <a:rPr lang="pt-BR" smtClean="0"/>
-              <a:t>31/08/2021</a:t>
+              <a:t>04/11/2021</a:t>
             </a:fld>
             <a:endParaRPr lang="pt-BR"/>
           </a:p>
@@ -561,7 +561,7 @@
           <a:p>
             <a:fld id="{2B85917C-95FE-4413-BCFB-4F8932325484}" type="datetimeFigureOut">
               <a:rPr lang="pt-BR" smtClean="0"/>
-              <a:t>31/08/2021</a:t>
+              <a:t>04/11/2021</a:t>
             </a:fld>
             <a:endParaRPr lang="pt-BR"/>
           </a:p>
@@ -731,7 +731,7 @@
           <a:p>
             <a:fld id="{2B85917C-95FE-4413-BCFB-4F8932325484}" type="datetimeFigureOut">
               <a:rPr lang="pt-BR" smtClean="0"/>
-              <a:t>31/08/2021</a:t>
+              <a:t>04/11/2021</a:t>
             </a:fld>
             <a:endParaRPr lang="pt-BR"/>
           </a:p>
@@ -975,7 +975,7 @@
           <a:p>
             <a:fld id="{2B85917C-95FE-4413-BCFB-4F8932325484}" type="datetimeFigureOut">
               <a:rPr lang="pt-BR" smtClean="0"/>
-              <a:t>31/08/2021</a:t>
+              <a:t>04/11/2021</a:t>
             </a:fld>
             <a:endParaRPr lang="pt-BR"/>
           </a:p>
@@ -1207,7 +1207,7 @@
           <a:p>
             <a:fld id="{2B85917C-95FE-4413-BCFB-4F8932325484}" type="datetimeFigureOut">
               <a:rPr lang="pt-BR" smtClean="0"/>
-              <a:t>31/08/2021</a:t>
+              <a:t>04/11/2021</a:t>
             </a:fld>
             <a:endParaRPr lang="pt-BR"/>
           </a:p>
@@ -1574,7 +1574,7 @@
           <a:p>
             <a:fld id="{2B85917C-95FE-4413-BCFB-4F8932325484}" type="datetimeFigureOut">
               <a:rPr lang="pt-BR" smtClean="0"/>
-              <a:t>31/08/2021</a:t>
+              <a:t>04/11/2021</a:t>
             </a:fld>
             <a:endParaRPr lang="pt-BR"/>
           </a:p>
@@ -1692,7 +1692,7 @@
           <a:p>
             <a:fld id="{2B85917C-95FE-4413-BCFB-4F8932325484}" type="datetimeFigureOut">
               <a:rPr lang="pt-BR" smtClean="0"/>
-              <a:t>31/08/2021</a:t>
+              <a:t>04/11/2021</a:t>
             </a:fld>
             <a:endParaRPr lang="pt-BR"/>
           </a:p>
@@ -1787,7 +1787,7 @@
           <a:p>
             <a:fld id="{2B85917C-95FE-4413-BCFB-4F8932325484}" type="datetimeFigureOut">
               <a:rPr lang="pt-BR" smtClean="0"/>
-              <a:t>31/08/2021</a:t>
+              <a:t>04/11/2021</a:t>
             </a:fld>
             <a:endParaRPr lang="pt-BR"/>
           </a:p>
@@ -2064,7 +2064,7 @@
           <a:p>
             <a:fld id="{2B85917C-95FE-4413-BCFB-4F8932325484}" type="datetimeFigureOut">
               <a:rPr lang="pt-BR" smtClean="0"/>
-              <a:t>31/08/2021</a:t>
+              <a:t>04/11/2021</a:t>
             </a:fld>
             <a:endParaRPr lang="pt-BR"/>
           </a:p>
@@ -2321,7 +2321,7 @@
           <a:p>
             <a:fld id="{2B85917C-95FE-4413-BCFB-4F8932325484}" type="datetimeFigureOut">
               <a:rPr lang="pt-BR" smtClean="0"/>
-              <a:t>31/08/2021</a:t>
+              <a:t>04/11/2021</a:t>
             </a:fld>
             <a:endParaRPr lang="pt-BR"/>
           </a:p>
@@ -2534,7 +2534,7 @@
           <a:p>
             <a:fld id="{2B85917C-95FE-4413-BCFB-4F8932325484}" type="datetimeFigureOut">
               <a:rPr lang="pt-BR" smtClean="0"/>
-              <a:t>31/08/2021</a:t>
+              <a:t>04/11/2021</a:t>
             </a:fld>
             <a:endParaRPr lang="pt-BR"/>
           </a:p>
@@ -2979,8 +2979,8 @@
         </p:nvSpPr>
         <p:spPr bwMode="auto">
           <a:xfrm>
-            <a:off x="-394607" y="1127760"/>
-            <a:ext cx="5680982" cy="1539239"/>
+            <a:off x="-243841" y="1127760"/>
+            <a:ext cx="5737861" cy="1539239"/>
           </a:xfrm>
           <a:prstGeom prst="rect">
             <a:avLst/>
@@ -3147,7 +3147,7 @@
                 <a:effectLst/>
                 <a:ea typeface="Times New Roman" panose="02020603050405020304" pitchFamily="18" charset="0"/>
               </a:rPr>
-              <a:t>DALTON JOAQUIM GUIMARÃES; GUILHERME ANTUNES DE CAMPOS; IGOR CARLOS NEVES SANTOS; LAIS DE SOUZA GONÇALVES; LUCAS ALBUQUERQUE PARADELLA; LUCCAS COSTA MANDIM </a:t>
+              <a:t>DALTON JOAQUIM GUIMARÃES; GUILHERME ANTUNES DE CAMPOS;GIAN PIETRO; IGOR CARLOS NEVES SANTOS; LAIS DE SOUZA GONÇALVES; LUCAS ALBUQUERQUE PARADELLA; LUCCAS COSTA MANDIM </a:t>
             </a:r>
             <a:r>
               <a:rPr lang="pt-BR" sz="1100" b="1" dirty="0"/>
@@ -4161,18 +4161,18 @@
 </file>
 
 <file path=customXml/item1.xml><?xml version="1.0" encoding="utf-8"?>
-<p:properties xmlns:p="http://schemas.microsoft.com/office/2006/metadata/properties" xmlns:xsi="http://www.w3.org/2001/XMLSchema-instance" xmlns:pc="http://schemas.microsoft.com/office/infopath/2007/PartnerControls">
-  <documentManagement/>
-</p:properties>
-</file>
-
-<file path=customXml/item2.xml><?xml version="1.0" encoding="utf-8"?>
 <?mso-contentType ?>
 <FormTemplates xmlns="http://schemas.microsoft.com/sharepoint/v3/contenttype/forms">
   <Display>DocumentLibraryForm</Display>
   <Edit>DocumentLibraryForm</Edit>
   <New>DocumentLibraryForm</New>
 </FormTemplates>
+</file>
+
+<file path=customXml/item2.xml><?xml version="1.0" encoding="utf-8"?>
+<p:properties xmlns:p="http://schemas.microsoft.com/office/2006/metadata/properties" xmlns:xsi="http://www.w3.org/2001/XMLSchema-instance" xmlns:pc="http://schemas.microsoft.com/office/infopath/2007/PartnerControls">
+  <documentManagement/>
+</p:properties>
 </file>
 
 <file path=customXml/item3.xml><?xml version="1.0" encoding="utf-8"?>
@@ -4308,18 +4308,18 @@
 </file>
 
 <file path=customXml/itemProps1.xml><?xml version="1.0" encoding="utf-8"?>
-<ds:datastoreItem xmlns:ds="http://schemas.openxmlformats.org/officeDocument/2006/customXml" ds:itemID="{F9DB0EF6-2ADB-4CC4-9CAB-900F6A7FCA46}">
+<ds:datastoreItem xmlns:ds="http://schemas.openxmlformats.org/officeDocument/2006/customXml" ds:itemID="{34CEBDEB-6251-479A-810C-88F49EDC3388}">
   <ds:schemaRefs>
-    <ds:schemaRef ds:uri="http://schemas.microsoft.com/office/2006/metadata/properties"/>
-    <ds:schemaRef ds:uri="http://schemas.microsoft.com/office/infopath/2007/PartnerControls"/>
+    <ds:schemaRef ds:uri="http://schemas.microsoft.com/sharepoint/v3/contenttype/forms"/>
   </ds:schemaRefs>
 </ds:datastoreItem>
 </file>
 
 <file path=customXml/itemProps2.xml><?xml version="1.0" encoding="utf-8"?>
-<ds:datastoreItem xmlns:ds="http://schemas.openxmlformats.org/officeDocument/2006/customXml" ds:itemID="{34CEBDEB-6251-479A-810C-88F49EDC3388}">
+<ds:datastoreItem xmlns:ds="http://schemas.openxmlformats.org/officeDocument/2006/customXml" ds:itemID="{F9DB0EF6-2ADB-4CC4-9CAB-900F6A7FCA46}">
   <ds:schemaRefs>
-    <ds:schemaRef ds:uri="http://schemas.microsoft.com/sharepoint/v3/contenttype/forms"/>
+    <ds:schemaRef ds:uri="http://schemas.microsoft.com/office/2006/metadata/properties"/>
+    <ds:schemaRef ds:uri="http://schemas.microsoft.com/office/infopath/2007/PartnerControls"/>
   </ds:schemaRefs>
 </ds:datastoreItem>
 </file>
